--- a/result/FunsionGraph.pptx
+++ b/result/FunsionGraph.pptx
@@ -3329,10 +3329,10 @@
       </p:grpSpPr>
       <p:grpSp>
         <p:nvGrpSpPr>
-          <p:cNvPr id="6" name="组合 5">
-            <a:extLst>
-              <a:ext uri="{FF2B5EF4-FFF2-40B4-BE49-F238E27FC236}">
-                <a16:creationId xmlns:a16="http://schemas.microsoft.com/office/drawing/2014/main" id="{22DBBE33-66EB-06B1-D989-615B2973AB95}"/>
+          <p:cNvPr id="8" name="组合 7">
+            <a:extLst>
+              <a:ext uri="{FF2B5EF4-FFF2-40B4-BE49-F238E27FC236}">
+                <a16:creationId xmlns:a16="http://schemas.microsoft.com/office/drawing/2014/main" id="{502C262F-2353-A1E5-60D5-3525399D6E86}"/>
               </a:ext>
             </a:extLst>
           </p:cNvPr>
@@ -3341,18 +3341,18 @@
         </p:nvGrpSpPr>
         <p:grpSpPr>
           <a:xfrm>
-            <a:off x="2209800" y="964842"/>
-            <a:ext cx="7772400" cy="4920818"/>
-            <a:chOff x="2209800" y="964842"/>
-            <a:chExt cx="7772400" cy="4920818"/>
+            <a:off x="2209800" y="1376103"/>
+            <a:ext cx="7772400" cy="4945499"/>
+            <a:chOff x="2209800" y="1376103"/>
+            <a:chExt cx="7772400" cy="4945499"/>
           </a:xfrm>
         </p:grpSpPr>
         <p:pic>
           <p:nvPicPr>
-            <p:cNvPr id="4" name="图片 3">
+            <p:cNvPr id="3" name="图片 2">
               <a:extLst>
                 <a:ext uri="{FF2B5EF4-FFF2-40B4-BE49-F238E27FC236}">
-                  <a16:creationId xmlns:a16="http://schemas.microsoft.com/office/drawing/2014/main" id="{60A401BD-A4DC-BF47-8426-85DC1321D3DA}"/>
+                  <a16:creationId xmlns:a16="http://schemas.microsoft.com/office/drawing/2014/main" id="{A9891138-6259-A74C-9DEA-EDAF1422E445}"/>
                 </a:ext>
               </a:extLst>
             </p:cNvPr>
@@ -3369,8 +3369,8 @@
           </p:blipFill>
           <p:spPr>
             <a:xfrm>
-              <a:off x="2209800" y="964842"/>
-              <a:ext cx="7772400" cy="2460409"/>
+              <a:off x="2209800" y="1376103"/>
+              <a:ext cx="7772400" cy="2502585"/>
             </a:xfrm>
             <a:prstGeom prst="rect">
               <a:avLst/>
@@ -3379,10 +3379,10 @@
         </p:pic>
         <p:pic>
           <p:nvPicPr>
-            <p:cNvPr id="5" name="图片 4">
+            <p:cNvPr id="7" name="图片 6">
               <a:extLst>
                 <a:ext uri="{FF2B5EF4-FFF2-40B4-BE49-F238E27FC236}">
-                  <a16:creationId xmlns:a16="http://schemas.microsoft.com/office/drawing/2014/main" id="{AFD9D1FD-45D5-9B84-5C1E-64D0BC3BE84C}"/>
+                  <a16:creationId xmlns:a16="http://schemas.microsoft.com/office/drawing/2014/main" id="{55CD1FBA-39EE-8E0A-BF42-58BAB6E3990D}"/>
                 </a:ext>
               </a:extLst>
             </p:cNvPr>
@@ -3399,8 +3399,8 @@
           </p:blipFill>
           <p:spPr>
             <a:xfrm>
-              <a:off x="2209800" y="3425251"/>
-              <a:ext cx="7772400" cy="2460409"/>
+              <a:off x="2209800" y="3878688"/>
+              <a:ext cx="7772400" cy="2442914"/>
             </a:xfrm>
             <a:prstGeom prst="rect">
               <a:avLst/>

--- a/result/FunsionGraph.pptx
+++ b/result/FunsionGraph.pptx
@@ -3329,10 +3329,10 @@
       </p:grpSpPr>
       <p:grpSp>
         <p:nvGrpSpPr>
-          <p:cNvPr id="8" name="组合 7">
-            <a:extLst>
-              <a:ext uri="{FF2B5EF4-FFF2-40B4-BE49-F238E27FC236}">
-                <a16:creationId xmlns:a16="http://schemas.microsoft.com/office/drawing/2014/main" id="{502C262F-2353-A1E5-60D5-3525399D6E86}"/>
+          <p:cNvPr id="10" name="组合 9">
+            <a:extLst>
+              <a:ext uri="{FF2B5EF4-FFF2-40B4-BE49-F238E27FC236}">
+                <a16:creationId xmlns:a16="http://schemas.microsoft.com/office/drawing/2014/main" id="{33F55367-8F1C-C818-104B-EEDE523CAD1A}"/>
               </a:ext>
             </a:extLst>
           </p:cNvPr>
@@ -3341,18 +3341,18 @@
         </p:nvGrpSpPr>
         <p:grpSpPr>
           <a:xfrm>
-            <a:off x="2209800" y="1376103"/>
-            <a:ext cx="7772400" cy="4945499"/>
-            <a:chOff x="2209800" y="1376103"/>
-            <a:chExt cx="7772400" cy="4945499"/>
+            <a:off x="2209800" y="1349549"/>
+            <a:ext cx="7772400" cy="4908992"/>
+            <a:chOff x="2209800" y="1412610"/>
+            <a:chExt cx="7772400" cy="4908992"/>
           </a:xfrm>
         </p:grpSpPr>
         <p:pic>
           <p:nvPicPr>
-            <p:cNvPr id="3" name="图片 2">
+            <p:cNvPr id="7" name="图片 6">
               <a:extLst>
                 <a:ext uri="{FF2B5EF4-FFF2-40B4-BE49-F238E27FC236}">
-                  <a16:creationId xmlns:a16="http://schemas.microsoft.com/office/drawing/2014/main" id="{A9891138-6259-A74C-9DEA-EDAF1422E445}"/>
+                  <a16:creationId xmlns:a16="http://schemas.microsoft.com/office/drawing/2014/main" id="{55CD1FBA-39EE-8E0A-BF42-58BAB6E3990D}"/>
                 </a:ext>
               </a:extLst>
             </p:cNvPr>
@@ -3369,8 +3369,8 @@
           </p:blipFill>
           <p:spPr>
             <a:xfrm>
-              <a:off x="2209800" y="1376103"/>
-              <a:ext cx="7772400" cy="2502585"/>
+              <a:off x="2209800" y="3878688"/>
+              <a:ext cx="7772400" cy="2442914"/>
             </a:xfrm>
             <a:prstGeom prst="rect">
               <a:avLst/>
@@ -3379,10 +3379,10 @@
         </p:pic>
         <p:pic>
           <p:nvPicPr>
-            <p:cNvPr id="7" name="图片 6">
+            <p:cNvPr id="9" name="图片 8">
               <a:extLst>
                 <a:ext uri="{FF2B5EF4-FFF2-40B4-BE49-F238E27FC236}">
-                  <a16:creationId xmlns:a16="http://schemas.microsoft.com/office/drawing/2014/main" id="{55CD1FBA-39EE-8E0A-BF42-58BAB6E3990D}"/>
+                  <a16:creationId xmlns:a16="http://schemas.microsoft.com/office/drawing/2014/main" id="{4C06C014-AABF-4F99-14B1-1F2E783D55D4}"/>
                 </a:ext>
               </a:extLst>
             </p:cNvPr>
@@ -3399,8 +3399,8 @@
           </p:blipFill>
           <p:spPr>
             <a:xfrm>
-              <a:off x="2209800" y="3878688"/>
-              <a:ext cx="7772400" cy="2442914"/>
+              <a:off x="2209800" y="1412610"/>
+              <a:ext cx="7772400" cy="2466078"/>
             </a:xfrm>
             <a:prstGeom prst="rect">
               <a:avLst/>

--- a/result/FunsionGraph.pptx
+++ b/result/FunsionGraph.pptx
@@ -260,7 +260,7 @@
           <a:p>
             <a:fld id="{EF1243F1-7C1C-5440-989A-EB6EB203E42B}" type="datetimeFigureOut">
               <a:rPr kumimoji="1" lang="zh-CN" altLang="en-US" smtClean="0"/>
-              <a:t>2025/7/26</a:t>
+              <a:t>2025/7/30</a:t>
             </a:fld>
             <a:endParaRPr kumimoji="1" lang="zh-CN" altLang="en-US"/>
           </a:p>
@@ -458,7 +458,7 @@
           <a:p>
             <a:fld id="{EF1243F1-7C1C-5440-989A-EB6EB203E42B}" type="datetimeFigureOut">
               <a:rPr kumimoji="1" lang="zh-CN" altLang="en-US" smtClean="0"/>
-              <a:t>2025/7/26</a:t>
+              <a:t>2025/7/30</a:t>
             </a:fld>
             <a:endParaRPr kumimoji="1" lang="zh-CN" altLang="en-US"/>
           </a:p>
@@ -666,7 +666,7 @@
           <a:p>
             <a:fld id="{EF1243F1-7C1C-5440-989A-EB6EB203E42B}" type="datetimeFigureOut">
               <a:rPr kumimoji="1" lang="zh-CN" altLang="en-US" smtClean="0"/>
-              <a:t>2025/7/26</a:t>
+              <a:t>2025/7/30</a:t>
             </a:fld>
             <a:endParaRPr kumimoji="1" lang="zh-CN" altLang="en-US"/>
           </a:p>
@@ -864,7 +864,7 @@
           <a:p>
             <a:fld id="{EF1243F1-7C1C-5440-989A-EB6EB203E42B}" type="datetimeFigureOut">
               <a:rPr kumimoji="1" lang="zh-CN" altLang="en-US" smtClean="0"/>
-              <a:t>2025/7/26</a:t>
+              <a:t>2025/7/30</a:t>
             </a:fld>
             <a:endParaRPr kumimoji="1" lang="zh-CN" altLang="en-US"/>
           </a:p>
@@ -1139,7 +1139,7 @@
           <a:p>
             <a:fld id="{EF1243F1-7C1C-5440-989A-EB6EB203E42B}" type="datetimeFigureOut">
               <a:rPr kumimoji="1" lang="zh-CN" altLang="en-US" smtClean="0"/>
-              <a:t>2025/7/26</a:t>
+              <a:t>2025/7/30</a:t>
             </a:fld>
             <a:endParaRPr kumimoji="1" lang="zh-CN" altLang="en-US"/>
           </a:p>
@@ -1404,7 +1404,7 @@
           <a:p>
             <a:fld id="{EF1243F1-7C1C-5440-989A-EB6EB203E42B}" type="datetimeFigureOut">
               <a:rPr kumimoji="1" lang="zh-CN" altLang="en-US" smtClean="0"/>
-              <a:t>2025/7/26</a:t>
+              <a:t>2025/7/30</a:t>
             </a:fld>
             <a:endParaRPr kumimoji="1" lang="zh-CN" altLang="en-US"/>
           </a:p>
@@ -1816,7 +1816,7 @@
           <a:p>
             <a:fld id="{EF1243F1-7C1C-5440-989A-EB6EB203E42B}" type="datetimeFigureOut">
               <a:rPr kumimoji="1" lang="zh-CN" altLang="en-US" smtClean="0"/>
-              <a:t>2025/7/26</a:t>
+              <a:t>2025/7/30</a:t>
             </a:fld>
             <a:endParaRPr kumimoji="1" lang="zh-CN" altLang="en-US"/>
           </a:p>
@@ -1957,7 +1957,7 @@
           <a:p>
             <a:fld id="{EF1243F1-7C1C-5440-989A-EB6EB203E42B}" type="datetimeFigureOut">
               <a:rPr kumimoji="1" lang="zh-CN" altLang="en-US" smtClean="0"/>
-              <a:t>2025/7/26</a:t>
+              <a:t>2025/7/30</a:t>
             </a:fld>
             <a:endParaRPr kumimoji="1" lang="zh-CN" altLang="en-US"/>
           </a:p>
@@ -2070,7 +2070,7 @@
           <a:p>
             <a:fld id="{EF1243F1-7C1C-5440-989A-EB6EB203E42B}" type="datetimeFigureOut">
               <a:rPr kumimoji="1" lang="zh-CN" altLang="en-US" smtClean="0"/>
-              <a:t>2025/7/26</a:t>
+              <a:t>2025/7/30</a:t>
             </a:fld>
             <a:endParaRPr kumimoji="1" lang="zh-CN" altLang="en-US"/>
           </a:p>
@@ -2381,7 +2381,7 @@
           <a:p>
             <a:fld id="{EF1243F1-7C1C-5440-989A-EB6EB203E42B}" type="datetimeFigureOut">
               <a:rPr kumimoji="1" lang="zh-CN" altLang="en-US" smtClean="0"/>
-              <a:t>2025/7/26</a:t>
+              <a:t>2025/7/30</a:t>
             </a:fld>
             <a:endParaRPr kumimoji="1" lang="zh-CN" altLang="en-US"/>
           </a:p>
@@ -2669,7 +2669,7 @@
           <a:p>
             <a:fld id="{EF1243F1-7C1C-5440-989A-EB6EB203E42B}" type="datetimeFigureOut">
               <a:rPr kumimoji="1" lang="zh-CN" altLang="en-US" smtClean="0"/>
-              <a:t>2025/7/26</a:t>
+              <a:t>2025/7/30</a:t>
             </a:fld>
             <a:endParaRPr kumimoji="1" lang="zh-CN" altLang="en-US"/>
           </a:p>
@@ -2910,7 +2910,7 @@
           <a:p>
             <a:fld id="{EF1243F1-7C1C-5440-989A-EB6EB203E42B}" type="datetimeFigureOut">
               <a:rPr kumimoji="1" lang="zh-CN" altLang="en-US" smtClean="0"/>
-              <a:t>2025/7/26</a:t>
+              <a:t>2025/7/30</a:t>
             </a:fld>
             <a:endParaRPr kumimoji="1" lang="zh-CN" altLang="en-US"/>
           </a:p>
@@ -3440,10 +3440,10 @@
       </p:grpSpPr>
       <p:grpSp>
         <p:nvGrpSpPr>
-          <p:cNvPr id="4" name="组合 3">
-            <a:extLst>
-              <a:ext uri="{FF2B5EF4-FFF2-40B4-BE49-F238E27FC236}">
-                <a16:creationId xmlns:a16="http://schemas.microsoft.com/office/drawing/2014/main" id="{42D09FD1-E8B4-AE3E-E689-DCA0F1A12F8F}"/>
+          <p:cNvPr id="7" name="组合 6">
+            <a:extLst>
+              <a:ext uri="{FF2B5EF4-FFF2-40B4-BE49-F238E27FC236}">
+                <a16:creationId xmlns:a16="http://schemas.microsoft.com/office/drawing/2014/main" id="{E8FAC619-878B-72C8-9F6D-A1EF70B9700F}"/>
               </a:ext>
             </a:extLst>
           </p:cNvPr>
@@ -3452,18 +3452,18 @@
         </p:nvGrpSpPr>
         <p:grpSpPr>
           <a:xfrm>
-            <a:off x="1610193" y="1154242"/>
-            <a:ext cx="7772400" cy="4257207"/>
-            <a:chOff x="2209800" y="944380"/>
-            <a:chExt cx="7772400" cy="4257207"/>
+            <a:off x="2209800" y="924462"/>
+            <a:ext cx="7772400" cy="4251695"/>
+            <a:chOff x="2209800" y="924462"/>
+            <a:chExt cx="7772400" cy="4251695"/>
           </a:xfrm>
         </p:grpSpPr>
         <p:pic>
           <p:nvPicPr>
-            <p:cNvPr id="2" name="图片 1">
+            <p:cNvPr id="6" name="图片 5">
               <a:extLst>
                 <a:ext uri="{FF2B5EF4-FFF2-40B4-BE49-F238E27FC236}">
-                  <a16:creationId xmlns:a16="http://schemas.microsoft.com/office/drawing/2014/main" id="{193DD1B7-7864-D88A-35EA-C1FC10CC8286}"/>
+                  <a16:creationId xmlns:a16="http://schemas.microsoft.com/office/drawing/2014/main" id="{4F0BB741-388C-E5FC-CAC7-9D036C904053}"/>
                 </a:ext>
               </a:extLst>
             </p:cNvPr>
@@ -3474,15 +3474,15 @@
           </p:nvPicPr>
           <p:blipFill>
             <a:blip r:embed="rId2"/>
-            <a:srcRect t="36906" b="36203"/>
+            <a:srcRect t="37155" b="36128"/>
             <a:stretch>
               <a:fillRect/>
             </a:stretch>
           </p:blipFill>
           <p:spPr>
             <a:xfrm>
-              <a:off x="2209800" y="4346989"/>
-              <a:ext cx="7772400" cy="854598"/>
+              <a:off x="2209800" y="4327071"/>
+              <a:ext cx="7772400" cy="849086"/>
             </a:xfrm>
             <a:prstGeom prst="rect">
               <a:avLst/>
@@ -3491,10 +3491,10 @@
         </p:pic>
         <p:pic>
           <p:nvPicPr>
-            <p:cNvPr id="3" name="图片 2">
+            <p:cNvPr id="5" name="图片 4">
               <a:extLst>
                 <a:ext uri="{FF2B5EF4-FFF2-40B4-BE49-F238E27FC236}">
-                  <a16:creationId xmlns:a16="http://schemas.microsoft.com/office/drawing/2014/main" id="{88104E3B-F69B-CB66-7D89-055333CD476F}"/>
+                  <a16:creationId xmlns:a16="http://schemas.microsoft.com/office/drawing/2014/main" id="{0016B3BE-473B-2173-5F7D-722A7CD8C702}"/>
                 </a:ext>
               </a:extLst>
             </p:cNvPr>
@@ -3511,7 +3511,7 @@
           </p:blipFill>
           <p:spPr>
             <a:xfrm>
-              <a:off x="2209800" y="944380"/>
+              <a:off x="2209800" y="924462"/>
               <a:ext cx="7772400" cy="3402609"/>
             </a:xfrm>
             <a:prstGeom prst="rect">

--- a/result/FunsionGraph.pptx
+++ b/result/FunsionGraph.pptx
@@ -260,7 +260,7 @@
           <a:p>
             <a:fld id="{EF1243F1-7C1C-5440-989A-EB6EB203E42B}" type="datetimeFigureOut">
               <a:rPr kumimoji="1" lang="zh-CN" altLang="en-US" smtClean="0"/>
-              <a:t>2025/7/30</a:t>
+              <a:t>2025/7/31</a:t>
             </a:fld>
             <a:endParaRPr kumimoji="1" lang="zh-CN" altLang="en-US"/>
           </a:p>
@@ -458,7 +458,7 @@
           <a:p>
             <a:fld id="{EF1243F1-7C1C-5440-989A-EB6EB203E42B}" type="datetimeFigureOut">
               <a:rPr kumimoji="1" lang="zh-CN" altLang="en-US" smtClean="0"/>
-              <a:t>2025/7/30</a:t>
+              <a:t>2025/7/31</a:t>
             </a:fld>
             <a:endParaRPr kumimoji="1" lang="zh-CN" altLang="en-US"/>
           </a:p>
@@ -666,7 +666,7 @@
           <a:p>
             <a:fld id="{EF1243F1-7C1C-5440-989A-EB6EB203E42B}" type="datetimeFigureOut">
               <a:rPr kumimoji="1" lang="zh-CN" altLang="en-US" smtClean="0"/>
-              <a:t>2025/7/30</a:t>
+              <a:t>2025/7/31</a:t>
             </a:fld>
             <a:endParaRPr kumimoji="1" lang="zh-CN" altLang="en-US"/>
           </a:p>
@@ -864,7 +864,7 @@
           <a:p>
             <a:fld id="{EF1243F1-7C1C-5440-989A-EB6EB203E42B}" type="datetimeFigureOut">
               <a:rPr kumimoji="1" lang="zh-CN" altLang="en-US" smtClean="0"/>
-              <a:t>2025/7/30</a:t>
+              <a:t>2025/7/31</a:t>
             </a:fld>
             <a:endParaRPr kumimoji="1" lang="zh-CN" altLang="en-US"/>
           </a:p>
@@ -1139,7 +1139,7 @@
           <a:p>
             <a:fld id="{EF1243F1-7C1C-5440-989A-EB6EB203E42B}" type="datetimeFigureOut">
               <a:rPr kumimoji="1" lang="zh-CN" altLang="en-US" smtClean="0"/>
-              <a:t>2025/7/30</a:t>
+              <a:t>2025/7/31</a:t>
             </a:fld>
             <a:endParaRPr kumimoji="1" lang="zh-CN" altLang="en-US"/>
           </a:p>
@@ -1404,7 +1404,7 @@
           <a:p>
             <a:fld id="{EF1243F1-7C1C-5440-989A-EB6EB203E42B}" type="datetimeFigureOut">
               <a:rPr kumimoji="1" lang="zh-CN" altLang="en-US" smtClean="0"/>
-              <a:t>2025/7/30</a:t>
+              <a:t>2025/7/31</a:t>
             </a:fld>
             <a:endParaRPr kumimoji="1" lang="zh-CN" altLang="en-US"/>
           </a:p>
@@ -1816,7 +1816,7 @@
           <a:p>
             <a:fld id="{EF1243F1-7C1C-5440-989A-EB6EB203E42B}" type="datetimeFigureOut">
               <a:rPr kumimoji="1" lang="zh-CN" altLang="en-US" smtClean="0"/>
-              <a:t>2025/7/30</a:t>
+              <a:t>2025/7/31</a:t>
             </a:fld>
             <a:endParaRPr kumimoji="1" lang="zh-CN" altLang="en-US"/>
           </a:p>
@@ -1957,7 +1957,7 @@
           <a:p>
             <a:fld id="{EF1243F1-7C1C-5440-989A-EB6EB203E42B}" type="datetimeFigureOut">
               <a:rPr kumimoji="1" lang="zh-CN" altLang="en-US" smtClean="0"/>
-              <a:t>2025/7/30</a:t>
+              <a:t>2025/7/31</a:t>
             </a:fld>
             <a:endParaRPr kumimoji="1" lang="zh-CN" altLang="en-US"/>
           </a:p>
@@ -2070,7 +2070,7 @@
           <a:p>
             <a:fld id="{EF1243F1-7C1C-5440-989A-EB6EB203E42B}" type="datetimeFigureOut">
               <a:rPr kumimoji="1" lang="zh-CN" altLang="en-US" smtClean="0"/>
-              <a:t>2025/7/30</a:t>
+              <a:t>2025/7/31</a:t>
             </a:fld>
             <a:endParaRPr kumimoji="1" lang="zh-CN" altLang="en-US"/>
           </a:p>
@@ -2381,7 +2381,7 @@
           <a:p>
             <a:fld id="{EF1243F1-7C1C-5440-989A-EB6EB203E42B}" type="datetimeFigureOut">
               <a:rPr kumimoji="1" lang="zh-CN" altLang="en-US" smtClean="0"/>
-              <a:t>2025/7/30</a:t>
+              <a:t>2025/7/31</a:t>
             </a:fld>
             <a:endParaRPr kumimoji="1" lang="zh-CN" altLang="en-US"/>
           </a:p>
@@ -2669,7 +2669,7 @@
           <a:p>
             <a:fld id="{EF1243F1-7C1C-5440-989A-EB6EB203E42B}" type="datetimeFigureOut">
               <a:rPr kumimoji="1" lang="zh-CN" altLang="en-US" smtClean="0"/>
-              <a:t>2025/7/30</a:t>
+              <a:t>2025/7/31</a:t>
             </a:fld>
             <a:endParaRPr kumimoji="1" lang="zh-CN" altLang="en-US"/>
           </a:p>
@@ -2910,7 +2910,7 @@
           <a:p>
             <a:fld id="{EF1243F1-7C1C-5440-989A-EB6EB203E42B}" type="datetimeFigureOut">
               <a:rPr kumimoji="1" lang="zh-CN" altLang="en-US" smtClean="0"/>
-              <a:t>2025/7/30</a:t>
+              <a:t>2025/7/31</a:t>
             </a:fld>
             <a:endParaRPr kumimoji="1" lang="zh-CN" altLang="en-US"/>
           </a:p>
@@ -3440,10 +3440,10 @@
       </p:grpSpPr>
       <p:grpSp>
         <p:nvGrpSpPr>
-          <p:cNvPr id="7" name="组合 6">
-            <a:extLst>
-              <a:ext uri="{FF2B5EF4-FFF2-40B4-BE49-F238E27FC236}">
-                <a16:creationId xmlns:a16="http://schemas.microsoft.com/office/drawing/2014/main" id="{E8FAC619-878B-72C8-9F6D-A1EF70B9700F}"/>
+          <p:cNvPr id="6" name="组合 5">
+            <a:extLst>
+              <a:ext uri="{FF2B5EF4-FFF2-40B4-BE49-F238E27FC236}">
+                <a16:creationId xmlns:a16="http://schemas.microsoft.com/office/drawing/2014/main" id="{3F0B8383-F49B-3541-C7FE-620FECB10A98}"/>
               </a:ext>
             </a:extLst>
           </p:cNvPr>
@@ -3452,18 +3452,18 @@
         </p:nvGrpSpPr>
         <p:grpSpPr>
           <a:xfrm>
-            <a:off x="2209800" y="924462"/>
-            <a:ext cx="7772400" cy="4251695"/>
-            <a:chOff x="2209800" y="924462"/>
-            <a:chExt cx="7772400" cy="4251695"/>
+            <a:off x="1955800" y="1173079"/>
+            <a:ext cx="7772400" cy="4765020"/>
+            <a:chOff x="2209800" y="1033379"/>
+            <a:chExt cx="7772400" cy="4765020"/>
           </a:xfrm>
         </p:grpSpPr>
         <p:pic>
           <p:nvPicPr>
-            <p:cNvPr id="6" name="图片 5">
+            <p:cNvPr id="3" name="图片 2">
               <a:extLst>
                 <a:ext uri="{FF2B5EF4-FFF2-40B4-BE49-F238E27FC236}">
-                  <a16:creationId xmlns:a16="http://schemas.microsoft.com/office/drawing/2014/main" id="{4F0BB741-388C-E5FC-CAC7-9D036C904053}"/>
+                  <a16:creationId xmlns:a16="http://schemas.microsoft.com/office/drawing/2014/main" id="{39782050-6C4E-473A-D5C4-F64F0C0493B4}"/>
                 </a:ext>
               </a:extLst>
             </p:cNvPr>
@@ -3474,15 +3474,15 @@
           </p:nvPicPr>
           <p:blipFill>
             <a:blip r:embed="rId2"/>
-            <a:srcRect t="37155" b="36128"/>
+            <a:srcRect t="36719" b="35378"/>
             <a:stretch>
               <a:fillRect/>
             </a:stretch>
           </p:blipFill>
           <p:spPr>
             <a:xfrm>
-              <a:off x="2209800" y="4327071"/>
-              <a:ext cx="7772400" cy="849086"/>
+              <a:off x="2209800" y="4901251"/>
+              <a:ext cx="7772400" cy="897148"/>
             </a:xfrm>
             <a:prstGeom prst="rect">
               <a:avLst/>
@@ -3494,7 +3494,7 @@
             <p:cNvPr id="5" name="图片 4">
               <a:extLst>
                 <a:ext uri="{FF2B5EF4-FFF2-40B4-BE49-F238E27FC236}">
-                  <a16:creationId xmlns:a16="http://schemas.microsoft.com/office/drawing/2014/main" id="{0016B3BE-473B-2173-5F7D-722A7CD8C702}"/>
+                  <a16:creationId xmlns:a16="http://schemas.microsoft.com/office/drawing/2014/main" id="{BF93E12B-55B1-5ABA-3B41-91601A1CA4D6}"/>
                 </a:ext>
               </a:extLst>
             </p:cNvPr>
@@ -3511,8 +3511,8 @@
           </p:blipFill>
           <p:spPr>
             <a:xfrm>
-              <a:off x="2209800" y="924462"/>
-              <a:ext cx="7772400" cy="3402609"/>
+              <a:off x="2209800" y="1033379"/>
+              <a:ext cx="7772400" cy="3894093"/>
             </a:xfrm>
             <a:prstGeom prst="rect">
               <a:avLst/>
